--- a/slides/tables.pptx
+++ b/slides/tables.pptx
@@ -6,12 +6,14 @@
   </p:sldMasterIdLst>
   <p:sldIdLst>
     <p:sldId id="256" r:id="rId2"/>
-    <p:sldId id="257" r:id="rId3"/>
-    <p:sldId id="259" r:id="rId4"/>
-    <p:sldId id="258" r:id="rId5"/>
-    <p:sldId id="260" r:id="rId6"/>
-    <p:sldId id="262" r:id="rId7"/>
-    <p:sldId id="261" r:id="rId8"/>
+    <p:sldId id="263" r:id="rId3"/>
+    <p:sldId id="264" r:id="rId4"/>
+    <p:sldId id="257" r:id="rId5"/>
+    <p:sldId id="259" r:id="rId6"/>
+    <p:sldId id="258" r:id="rId7"/>
+    <p:sldId id="260" r:id="rId8"/>
+    <p:sldId id="262" r:id="rId9"/>
+    <p:sldId id="261" r:id="rId10"/>
   </p:sldIdLst>
   <p:sldSz cx="12192000" cy="6858000"/>
   <p:notesSz cx="6858000" cy="9144000"/>
@@ -3042,87 +3044,51 @@
           <a:chExt cx="0" cy="0"/>
         </a:xfrm>
       </p:grpSpPr>
-      <p:sp>
-        <p:nvSpPr>
-          <p:cNvPr id="2" name="Title 1"/>
-          <p:cNvSpPr>
-            <a:spLocks noGrp="1"/>
-          </p:cNvSpPr>
-          <p:nvPr>
-            <p:ph type="ctrTitle"/>
-          </p:nvPr>
-        </p:nvSpPr>
-        <p:spPr/>
-        <p:txBody>
-          <a:bodyPr/>
-          <a:lstStyle/>
-          <a:p>
-            <a:r>
-              <a:rPr lang="en-US" dirty="0" smtClean="0"/>
-              <a:t>Statements</a:t>
-            </a:r>
-            <a:endParaRPr lang="en-US" dirty="0"/>
-          </a:p>
-        </p:txBody>
-      </p:sp>
-      <p:sp>
-        <p:nvSpPr>
-          <p:cNvPr id="3" name="Subtitle 2"/>
-          <p:cNvSpPr>
-            <a:spLocks noGrp="1"/>
-          </p:cNvSpPr>
-          <p:nvPr>
-            <p:ph type="subTitle" idx="1"/>
-          </p:nvPr>
-        </p:nvSpPr>
-        <p:spPr/>
-        <p:txBody>
-          <a:bodyPr>
-            <a:normAutofit lnSpcReduction="10000"/>
-          </a:bodyPr>
-          <a:lstStyle/>
-          <a:p>
-            <a:pPr fontAlgn="base"/>
-            <a:r>
-              <a:rPr lang="en-US" dirty="0"/>
-              <a:t>Statements don't have a value; </a:t>
-            </a:r>
-            <a:r>
-              <a:rPr lang="en-US" dirty="0" smtClean="0"/>
-              <a:t>perform </a:t>
-            </a:r>
-            <a:r>
-              <a:rPr lang="en-US" dirty="0"/>
-              <a:t>an action</a:t>
-            </a:r>
-          </a:p>
-          <a:p>
-            <a:pPr fontAlgn="base"/>
-            <a:r>
-              <a:rPr lang="en-US" dirty="0"/>
-              <a:t>An assignment statement changes the meaning of the name to the left of the = symbol</a:t>
-            </a:r>
-          </a:p>
-          <a:p>
-            <a:pPr fontAlgn="base"/>
-            <a:r>
-              <a:rPr lang="en-US" dirty="0" smtClean="0"/>
-              <a:t>name </a:t>
-            </a:r>
-            <a:r>
-              <a:rPr lang="en-US" dirty="0"/>
-              <a:t>is bound to a value (not an equation)</a:t>
-            </a:r>
-          </a:p>
-          <a:p>
-            <a:endParaRPr lang="en-US" dirty="0"/>
-          </a:p>
-        </p:txBody>
-      </p:sp>
+      <p:pic>
+        <p:nvPicPr>
+          <p:cNvPr id="1026" name="Picture 2" descr="https://puu.sh/CWP7W/fd039871c7.png"/>
+          <p:cNvPicPr>
+            <a:picLocks noChangeAspect="1" noChangeArrowheads="1"/>
+          </p:cNvPicPr>
+          <p:nvPr/>
+        </p:nvPicPr>
+        <p:blipFill>
+          <a:blip r:embed="rId2">
+            <a:extLst>
+              <a:ext uri="{28A0092B-C50C-407E-A947-70E740481C1C}">
+                <a14:useLocalDpi xmlns:a14="http://schemas.microsoft.com/office/drawing/2010/main" val="0"/>
+              </a:ext>
+            </a:extLst>
+          </a:blip>
+          <a:srcRect/>
+          <a:stretch>
+            <a:fillRect/>
+          </a:stretch>
+        </p:blipFill>
+        <p:spPr bwMode="auto">
+          <a:xfrm>
+            <a:off x="87443" y="2153031"/>
+            <a:ext cx="12104557" cy="2745941"/>
+          </a:xfrm>
+          <a:prstGeom prst="rect">
+            <a:avLst/>
+          </a:prstGeom>
+          <a:noFill/>
+          <a:extLst>
+            <a:ext uri="{909E8E84-426E-40DD-AFC4-6F175D3DCCD1}">
+              <a14:hiddenFill xmlns:a14="http://schemas.microsoft.com/office/drawing/2010/main">
+                <a:solidFill>
+                  <a:srgbClr val="FFFFFF"/>
+                </a:solidFill>
+              </a14:hiddenFill>
+            </a:ext>
+          </a:extLst>
+        </p:spPr>
+      </p:pic>
     </p:spTree>
     <p:extLst>
       <p:ext uri="{BB962C8B-B14F-4D97-AF65-F5344CB8AC3E}">
-        <p14:creationId xmlns:p14="http://schemas.microsoft.com/office/powerpoint/2010/main" val="219549470"/>
+        <p14:creationId xmlns:p14="http://schemas.microsoft.com/office/powerpoint/2010/main" val="1620698886"/>
       </p:ext>
     </p:extLst>
   </p:cSld>
@@ -3149,57 +3115,51 @@
           <a:chExt cx="0" cy="0"/>
         </a:xfrm>
       </p:grpSpPr>
-      <p:sp>
-        <p:nvSpPr>
-          <p:cNvPr id="2" name="Title 1"/>
-          <p:cNvSpPr>
-            <a:spLocks noGrp="1"/>
-          </p:cNvSpPr>
-          <p:nvPr>
-            <p:ph type="ctrTitle"/>
-          </p:nvPr>
-        </p:nvSpPr>
-        <p:spPr/>
-        <p:txBody>
-          <a:bodyPr/>
-          <a:lstStyle/>
-          <a:p>
-            <a:r>
-              <a:rPr lang="en-US" dirty="0" smtClean="0"/>
-              <a:t>Statements</a:t>
-            </a:r>
-            <a:endParaRPr lang="en-US" dirty="0"/>
-          </a:p>
-        </p:txBody>
-      </p:sp>
-      <p:sp>
-        <p:nvSpPr>
-          <p:cNvPr id="3" name="Subtitle 2"/>
-          <p:cNvSpPr>
-            <a:spLocks noGrp="1"/>
-          </p:cNvSpPr>
-          <p:nvPr>
-            <p:ph type="subTitle" idx="1"/>
-          </p:nvPr>
-        </p:nvSpPr>
-        <p:spPr/>
-        <p:txBody>
-          <a:bodyPr>
-            <a:normAutofit/>
-          </a:bodyPr>
-          <a:lstStyle/>
-          <a:p>
-            <a:r>
-              <a:rPr lang="en-US" dirty="0" smtClean="0"/>
-              <a:t>Use OPM data to show calculating differences </a:t>
-            </a:r>
-          </a:p>
-        </p:txBody>
-      </p:sp>
+      <p:pic>
+        <p:nvPicPr>
+          <p:cNvPr id="2050" name="Picture 2" descr="https://puu.sh/CWPcD/4b628a5402.png"/>
+          <p:cNvPicPr>
+            <a:picLocks noChangeAspect="1" noChangeArrowheads="1"/>
+          </p:cNvPicPr>
+          <p:nvPr/>
+        </p:nvPicPr>
+        <p:blipFill>
+          <a:blip r:embed="rId2">
+            <a:extLst>
+              <a:ext uri="{28A0092B-C50C-407E-A947-70E740481C1C}">
+                <a14:useLocalDpi xmlns:a14="http://schemas.microsoft.com/office/drawing/2010/main" val="0"/>
+              </a:ext>
+            </a:extLst>
+          </a:blip>
+          <a:srcRect/>
+          <a:stretch>
+            <a:fillRect/>
+          </a:stretch>
+        </p:blipFill>
+        <p:spPr bwMode="auto">
+          <a:xfrm>
+            <a:off x="599606" y="1951605"/>
+            <a:ext cx="11171107" cy="2480798"/>
+          </a:xfrm>
+          <a:prstGeom prst="rect">
+            <a:avLst/>
+          </a:prstGeom>
+          <a:noFill/>
+          <a:extLst>
+            <a:ext uri="{909E8E84-426E-40DD-AFC4-6F175D3DCCD1}">
+              <a14:hiddenFill xmlns:a14="http://schemas.microsoft.com/office/drawing/2010/main">
+                <a:solidFill>
+                  <a:srgbClr val="FFFFFF"/>
+                </a:solidFill>
+              </a14:hiddenFill>
+            </a:ext>
+          </a:extLst>
+        </p:spPr>
+      </p:pic>
     </p:spTree>
     <p:extLst>
       <p:ext uri="{BB962C8B-B14F-4D97-AF65-F5344CB8AC3E}">
-        <p14:creationId xmlns:p14="http://schemas.microsoft.com/office/powerpoint/2010/main" val="438661800"/>
+        <p14:creationId xmlns:p14="http://schemas.microsoft.com/office/powerpoint/2010/main" val="1412492934"/>
       </p:ext>
     </p:extLst>
   </p:cSld>
@@ -3243,7 +3203,7 @@
           <a:p>
             <a:r>
               <a:rPr lang="en-US" dirty="0" smtClean="0"/>
-              <a:t>Functions</a:t>
+              <a:t>Statements</a:t>
             </a:r>
             <a:endParaRPr lang="en-US" dirty="0"/>
           </a:p>
@@ -3261,13 +3221,44 @@
         </p:nvSpPr>
         <p:spPr/>
         <p:txBody>
-          <a:bodyPr/>
-          <a:lstStyle/>
-          <a:p>
+          <a:bodyPr>
+            <a:normAutofit lnSpcReduction="10000"/>
+          </a:bodyPr>
+          <a:lstStyle/>
+          <a:p>
+            <a:pPr fontAlgn="base"/>
+            <a:r>
+              <a:rPr lang="en-US" dirty="0"/>
+              <a:t>Statements don't have a value; </a:t>
+            </a:r>
             <a:r>
               <a:rPr lang="en-US" dirty="0" smtClean="0"/>
-              <a:t>Solo Functions (Absolute Value) and Max Functions</a:t>
-            </a:r>
+              <a:t>perform </a:t>
+            </a:r>
+            <a:r>
+              <a:rPr lang="en-US" dirty="0"/>
+              <a:t>an action</a:t>
+            </a:r>
+          </a:p>
+          <a:p>
+            <a:pPr fontAlgn="base"/>
+            <a:r>
+              <a:rPr lang="en-US" dirty="0"/>
+              <a:t>An assignment statement changes the meaning of the name to the left of the = symbol</a:t>
+            </a:r>
+          </a:p>
+          <a:p>
+            <a:pPr fontAlgn="base"/>
+            <a:r>
+              <a:rPr lang="en-US" dirty="0" smtClean="0"/>
+              <a:t>name </a:t>
+            </a:r>
+            <a:r>
+              <a:rPr lang="en-US" dirty="0"/>
+              <a:t>is bound to a value (not an equation)</a:t>
+            </a:r>
+          </a:p>
+          <a:p>
             <a:endParaRPr lang="en-US" dirty="0"/>
           </a:p>
         </p:txBody>
@@ -3275,7 +3266,7 @@
     </p:spTree>
     <p:extLst>
       <p:ext uri="{BB962C8B-B14F-4D97-AF65-F5344CB8AC3E}">
-        <p14:creationId xmlns:p14="http://schemas.microsoft.com/office/powerpoint/2010/main" val="1697417987"/>
+        <p14:creationId xmlns:p14="http://schemas.microsoft.com/office/powerpoint/2010/main" val="219549470"/>
       </p:ext>
     </p:extLst>
   </p:cSld>
@@ -3319,7 +3310,7 @@
           <a:p>
             <a:r>
               <a:rPr lang="en-US" dirty="0" smtClean="0"/>
-              <a:t>Tables </a:t>
+              <a:t>Statements</a:t>
             </a:r>
             <a:endParaRPr lang="en-US" dirty="0"/>
           </a:p>
@@ -3338,47 +3329,21 @@
         <p:spPr/>
         <p:txBody>
           <a:bodyPr>
-            <a:normAutofit fontScale="92500"/>
+            <a:normAutofit/>
           </a:bodyPr>
           <a:lstStyle/>
           <a:p>
             <a:r>
               <a:rPr lang="en-US" dirty="0" smtClean="0"/>
-              <a:t>A Table is a sequence of labeled </a:t>
-            </a:r>
-            <a:r>
-              <a:rPr lang="en-US" dirty="0" err="1" smtClean="0"/>
-              <a:t>columnsEach</a:t>
-            </a:r>
-            <a:r>
-              <a:rPr lang="en-US" dirty="0" smtClean="0"/>
-              <a:t> row represents one </a:t>
-            </a:r>
-            <a:r>
-              <a:rPr lang="en-US" dirty="0" err="1" smtClean="0"/>
-              <a:t>individualData</a:t>
-            </a:r>
-            <a:r>
-              <a:rPr lang="en-US" dirty="0" smtClean="0"/>
-              <a:t> within a column represents one attribute of the individuals</a:t>
-            </a:r>
-          </a:p>
-          <a:p>
-            <a:endParaRPr lang="en-US" dirty="0"/>
-          </a:p>
-          <a:p>
-            <a:r>
-              <a:rPr lang="en-US" dirty="0" smtClean="0"/>
-              <a:t>Picture of table with labels</a:t>
-            </a:r>
-            <a:endParaRPr lang="en-US" dirty="0"/>
+              <a:t>Use OPM data to show calculating differences </a:t>
+            </a:r>
           </a:p>
         </p:txBody>
       </p:sp>
     </p:spTree>
     <p:extLst>
       <p:ext uri="{BB962C8B-B14F-4D97-AF65-F5344CB8AC3E}">
-        <p14:creationId xmlns:p14="http://schemas.microsoft.com/office/powerpoint/2010/main" val="326285580"/>
+        <p14:creationId xmlns:p14="http://schemas.microsoft.com/office/powerpoint/2010/main" val="438661800"/>
       </p:ext>
     </p:extLst>
   </p:cSld>
@@ -3422,6 +3387,185 @@
           <a:p>
             <a:r>
               <a:rPr lang="en-US" dirty="0" smtClean="0"/>
+              <a:t>Functions</a:t>
+            </a:r>
+            <a:endParaRPr lang="en-US" dirty="0"/>
+          </a:p>
+        </p:txBody>
+      </p:sp>
+      <p:sp>
+        <p:nvSpPr>
+          <p:cNvPr id="3" name="Subtitle 2"/>
+          <p:cNvSpPr>
+            <a:spLocks noGrp="1"/>
+          </p:cNvSpPr>
+          <p:nvPr>
+            <p:ph type="subTitle" idx="1"/>
+          </p:nvPr>
+        </p:nvSpPr>
+        <p:spPr/>
+        <p:txBody>
+          <a:bodyPr/>
+          <a:lstStyle/>
+          <a:p>
+            <a:r>
+              <a:rPr lang="en-US" dirty="0" smtClean="0"/>
+              <a:t>Solo Functions (Absolute Value) and Max Functions</a:t>
+            </a:r>
+            <a:endParaRPr lang="en-US" dirty="0"/>
+          </a:p>
+        </p:txBody>
+      </p:sp>
+    </p:spTree>
+    <p:extLst>
+      <p:ext uri="{BB962C8B-B14F-4D97-AF65-F5344CB8AC3E}">
+        <p14:creationId xmlns:p14="http://schemas.microsoft.com/office/powerpoint/2010/main" val="1697417987"/>
+      </p:ext>
+    </p:extLst>
+  </p:cSld>
+  <p:clrMapOvr>
+    <a:masterClrMapping/>
+  </p:clrMapOvr>
+</p:sld>
+</file>
+
+<file path=ppt/slides/slide7.xml><?xml version="1.0" encoding="utf-8"?>
+<p:sld xmlns:a="http://schemas.openxmlformats.org/drawingml/2006/main" xmlns:r="http://schemas.openxmlformats.org/officeDocument/2006/relationships" xmlns:p="http://schemas.openxmlformats.org/presentationml/2006/main">
+  <p:cSld>
+    <p:spTree>
+      <p:nvGrpSpPr>
+        <p:cNvPr id="1" name=""/>
+        <p:cNvGrpSpPr/>
+        <p:nvPr/>
+      </p:nvGrpSpPr>
+      <p:grpSpPr>
+        <a:xfrm>
+          <a:off x="0" y="0"/>
+          <a:ext cx="0" cy="0"/>
+          <a:chOff x="0" y="0"/>
+          <a:chExt cx="0" cy="0"/>
+        </a:xfrm>
+      </p:grpSpPr>
+      <p:sp>
+        <p:nvSpPr>
+          <p:cNvPr id="2" name="Title 1"/>
+          <p:cNvSpPr>
+            <a:spLocks noGrp="1"/>
+          </p:cNvSpPr>
+          <p:nvPr>
+            <p:ph type="ctrTitle"/>
+          </p:nvPr>
+        </p:nvSpPr>
+        <p:spPr/>
+        <p:txBody>
+          <a:bodyPr/>
+          <a:lstStyle/>
+          <a:p>
+            <a:r>
+              <a:rPr lang="en-US" dirty="0" smtClean="0"/>
+              <a:t>Tables </a:t>
+            </a:r>
+            <a:endParaRPr lang="en-US" dirty="0"/>
+          </a:p>
+        </p:txBody>
+      </p:sp>
+      <p:sp>
+        <p:nvSpPr>
+          <p:cNvPr id="3" name="Subtitle 2"/>
+          <p:cNvSpPr>
+            <a:spLocks noGrp="1"/>
+          </p:cNvSpPr>
+          <p:nvPr>
+            <p:ph type="subTitle" idx="1"/>
+          </p:nvPr>
+        </p:nvSpPr>
+        <p:spPr/>
+        <p:txBody>
+          <a:bodyPr>
+            <a:normAutofit fontScale="92500"/>
+          </a:bodyPr>
+          <a:lstStyle/>
+          <a:p>
+            <a:r>
+              <a:rPr lang="en-US" dirty="0" smtClean="0"/>
+              <a:t>A Table is a sequence of labeled </a:t>
+            </a:r>
+            <a:r>
+              <a:rPr lang="en-US" dirty="0" err="1" smtClean="0"/>
+              <a:t>columnsEach</a:t>
+            </a:r>
+            <a:r>
+              <a:rPr lang="en-US" dirty="0" smtClean="0"/>
+              <a:t> row represents one </a:t>
+            </a:r>
+            <a:r>
+              <a:rPr lang="en-US" dirty="0" err="1" smtClean="0"/>
+              <a:t>individualData</a:t>
+            </a:r>
+            <a:r>
+              <a:rPr lang="en-US" dirty="0" smtClean="0"/>
+              <a:t> within a column represents one attribute of the individuals</a:t>
+            </a:r>
+          </a:p>
+          <a:p>
+            <a:endParaRPr lang="en-US" dirty="0"/>
+          </a:p>
+          <a:p>
+            <a:r>
+              <a:rPr lang="en-US" dirty="0" smtClean="0"/>
+              <a:t>Picture of table with labels</a:t>
+            </a:r>
+            <a:endParaRPr lang="en-US" dirty="0"/>
+          </a:p>
+        </p:txBody>
+      </p:sp>
+    </p:spTree>
+    <p:extLst>
+      <p:ext uri="{BB962C8B-B14F-4D97-AF65-F5344CB8AC3E}">
+        <p14:creationId xmlns:p14="http://schemas.microsoft.com/office/powerpoint/2010/main" val="326285580"/>
+      </p:ext>
+    </p:extLst>
+  </p:cSld>
+  <p:clrMapOvr>
+    <a:masterClrMapping/>
+  </p:clrMapOvr>
+</p:sld>
+</file>
+
+<file path=ppt/slides/slide8.xml><?xml version="1.0" encoding="utf-8"?>
+<p:sld xmlns:a="http://schemas.openxmlformats.org/drawingml/2006/main" xmlns:r="http://schemas.openxmlformats.org/officeDocument/2006/relationships" xmlns:p="http://schemas.openxmlformats.org/presentationml/2006/main">
+  <p:cSld>
+    <p:spTree>
+      <p:nvGrpSpPr>
+        <p:cNvPr id="1" name=""/>
+        <p:cNvGrpSpPr/>
+        <p:nvPr/>
+      </p:nvGrpSpPr>
+      <p:grpSpPr>
+        <a:xfrm>
+          <a:off x="0" y="0"/>
+          <a:ext cx="0" cy="0"/>
+          <a:chOff x="0" y="0"/>
+          <a:chExt cx="0" cy="0"/>
+        </a:xfrm>
+      </p:grpSpPr>
+      <p:sp>
+        <p:nvSpPr>
+          <p:cNvPr id="2" name="Title 1"/>
+          <p:cNvSpPr>
+            <a:spLocks noGrp="1"/>
+          </p:cNvSpPr>
+          <p:nvPr>
+            <p:ph type="ctrTitle"/>
+          </p:nvPr>
+        </p:nvSpPr>
+        <p:spPr/>
+        <p:txBody>
+          <a:bodyPr/>
+          <a:lstStyle/>
+          <a:p>
+            <a:r>
+              <a:rPr lang="en-US" dirty="0" smtClean="0"/>
               <a:t>Tables </a:t>
             </a:r>
             <a:endParaRPr lang="en-US" dirty="0"/>
@@ -3516,7 +3660,7 @@
 </p:sld>
 </file>
 
-<file path=ppt/slides/slide7.xml><?xml version="1.0" encoding="utf-8"?>
+<file path=ppt/slides/slide9.xml><?xml version="1.0" encoding="utf-8"?>
 <p:sld xmlns:a="http://schemas.openxmlformats.org/drawingml/2006/main" xmlns:r="http://schemas.openxmlformats.org/officeDocument/2006/relationships" xmlns:p="http://schemas.openxmlformats.org/presentationml/2006/main">
   <p:cSld>
     <p:spTree>
